--- a/Hometask/Lesson 1/1. Интерфейс, компоненты, переменные.pptx
+++ b/Hometask/Lesson 1/1. Интерфейс, компоненты, переменные.pptx
@@ -5,22 +5,23 @@
     <p:sldMasterId id="2147483648" r:id="rId1"/>
   </p:sldMasterIdLst>
   <p:notesMasterIdLst>
-    <p:notesMasterId r:id="rId15"/>
+    <p:notesMasterId r:id="rId16"/>
   </p:notesMasterIdLst>
   <p:sldIdLst>
     <p:sldId id="256" r:id="rId2"/>
     <p:sldId id="257" r:id="rId3"/>
     <p:sldId id="260" r:id="rId4"/>
-    <p:sldId id="261" r:id="rId5"/>
-    <p:sldId id="262" r:id="rId6"/>
-    <p:sldId id="263" r:id="rId7"/>
-    <p:sldId id="264" r:id="rId8"/>
-    <p:sldId id="265" r:id="rId9"/>
-    <p:sldId id="268" r:id="rId10"/>
-    <p:sldId id="267" r:id="rId11"/>
-    <p:sldId id="269" r:id="rId12"/>
-    <p:sldId id="270" r:id="rId13"/>
-    <p:sldId id="266" r:id="rId14"/>
+    <p:sldId id="271" r:id="rId5"/>
+    <p:sldId id="261" r:id="rId6"/>
+    <p:sldId id="262" r:id="rId7"/>
+    <p:sldId id="263" r:id="rId8"/>
+    <p:sldId id="264" r:id="rId9"/>
+    <p:sldId id="265" r:id="rId10"/>
+    <p:sldId id="268" r:id="rId11"/>
+    <p:sldId id="267" r:id="rId12"/>
+    <p:sldId id="269" r:id="rId13"/>
+    <p:sldId id="270" r:id="rId14"/>
+    <p:sldId id="266" r:id="rId15"/>
   </p:sldIdLst>
   <p:sldSz cx="12192000" cy="6858000"/>
   <p:notesSz cx="6858000" cy="9144000"/>
@@ -3531,7 +3532,7 @@
         </p:nvSpPr>
         <p:spPr>
           <a:xfrm>
-            <a:off x="838200" y="0"/>
+            <a:off x="864325" y="-207165"/>
             <a:ext cx="10515600" cy="1325563"/>
           </a:xfrm>
         </p:spPr>
@@ -3542,7 +3543,7 @@
             <a:pPr algn="ctr"/>
             <a:r>
               <a:rPr lang="ru-RU" dirty="0" smtClean="0"/>
-              <a:t>Арифметика</a:t>
+              <a:t>Области Видимости</a:t>
             </a:r>
             <a:endParaRPr lang="ru-RU" dirty="0"/>
           </a:p>
@@ -3550,7 +3551,7 @@
       </p:sp>
       <p:pic>
         <p:nvPicPr>
-          <p:cNvPr id="6" name="Объект 5"/>
+          <p:cNvPr id="4" name="Объект 3"/>
           <p:cNvPicPr>
             <a:picLocks noGrp="1" noChangeAspect="1"/>
           </p:cNvPicPr>
@@ -3572,21 +3573,21 @@
         </p:blipFill>
         <p:spPr>
           <a:xfrm>
-            <a:off x="0" y="1324287"/>
-            <a:ext cx="6244046" cy="5533713"/>
+            <a:off x="0" y="727275"/>
+            <a:ext cx="4741817" cy="6130725"/>
           </a:xfrm>
         </p:spPr>
       </p:pic>
       <p:sp>
         <p:nvSpPr>
-          <p:cNvPr id="8" name="TextBox 7"/>
+          <p:cNvPr id="5" name="TextBox 4"/>
           <p:cNvSpPr txBox="1"/>
           <p:nvPr/>
         </p:nvSpPr>
         <p:spPr>
           <a:xfrm>
-            <a:off x="6779623" y="3075480"/>
-            <a:ext cx="5412377" cy="2031325"/>
+            <a:off x="4911634" y="948690"/>
+            <a:ext cx="7001691" cy="5909310"/>
           </a:xfrm>
           <a:prstGeom prst="rect">
             <a:avLst/>
@@ -3600,25 +3601,24 @@
           <a:lstStyle/>
           <a:p>
             <a:r>
+              <a:rPr lang="ru-RU" dirty="0" smtClean="0"/>
+              <a:t>Крайне важно помнить о таком понятии, как область видимости в </a:t>
+            </a:r>
+            <a:r>
               <a:rPr lang="en-US" dirty="0" smtClean="0"/>
-              <a:t>C# </a:t>
+              <a:t>C#. </a:t>
+            </a:r>
+            <a:r>
+              <a:rPr lang="ru-RU" b="1" dirty="0" smtClean="0"/>
+              <a:t>Область видимости </a:t>
             </a:r>
             <a:r>
               <a:rPr lang="ru-RU" dirty="0" smtClean="0"/>
-              <a:t>поддерживает набор стандартных операторов для выполнения различных арифметических действий. </a:t>
-            </a:r>
-          </a:p>
-          <a:p>
-            <a:endParaRPr lang="ru-RU" dirty="0"/>
-          </a:p>
-          <a:p>
-            <a:r>
-              <a:rPr lang="ru-RU" dirty="0" smtClean="0"/>
-              <a:t>Также можно складывать и строки – результатом суммы строк будет являться строка, </a:t>
-            </a:r>
-            <a:r>
-              <a:rPr lang="ru-RU" dirty="0" smtClean="0"/>
-              <a:t>содержащая</a:t>
+              <a:t>– часть кода, в пределах которой доступна конкретная переменная. Области видимости определяются фигурными скобками – вы можете объявлять свои переменные уже внутри класса (пример – </a:t>
+            </a:r>
+            <a:r>
+              <a:rPr lang="en-US" dirty="0" err="1" smtClean="0"/>
+              <a:t>powerfulInt</a:t>
             </a:r>
             <a:r>
               <a:rPr lang="en-US" dirty="0" smtClean="0"/>
@@ -3626,7 +3626,107 @@
             </a:r>
             <a:r>
               <a:rPr lang="ru-RU" dirty="0" smtClean="0"/>
-              <a:t>обе предыдущие. </a:t>
+              <a:t>на скриншоте). Такая переменная доступна в любой части скрипта. Помните, что у различных переменных в одной области видимости никогда не бывает одинакового имени.</a:t>
+            </a:r>
+          </a:p>
+          <a:p>
+            <a:endParaRPr lang="ru-RU" dirty="0"/>
+          </a:p>
+          <a:p>
+            <a:r>
+              <a:rPr lang="ru-RU" dirty="0" smtClean="0"/>
+              <a:t>В данном примере можно также увидеть 2 переменные с названием </a:t>
+            </a:r>
+            <a:r>
+              <a:rPr lang="en-US" dirty="0" err="1" smtClean="0"/>
+              <a:t>limitedInt</a:t>
+            </a:r>
+            <a:r>
+              <a:rPr lang="ru-RU" dirty="0" smtClean="0"/>
+              <a:t>, каждая из которых существует только внутри собственного метода. При попытке обратиться к </a:t>
+            </a:r>
+            <a:r>
+              <a:rPr lang="en-US" dirty="0" err="1" smtClean="0"/>
+              <a:t>limitedInt</a:t>
+            </a:r>
+            <a:r>
+              <a:rPr lang="en-US" dirty="0" smtClean="0"/>
+              <a:t> </a:t>
+            </a:r>
+            <a:r>
+              <a:rPr lang="ru-RU" dirty="0" smtClean="0"/>
+              <a:t>вне </a:t>
+            </a:r>
+            <a:r>
+              <a:rPr lang="en-US" dirty="0" smtClean="0"/>
+              <a:t>Start() </a:t>
+            </a:r>
+            <a:r>
+              <a:rPr lang="ru-RU" dirty="0" smtClean="0"/>
+              <a:t>или </a:t>
+            </a:r>
+            <a:r>
+              <a:rPr lang="en-US" dirty="0" smtClean="0"/>
+              <a:t>Example()</a:t>
+            </a:r>
+            <a:r>
+              <a:rPr lang="ru-RU" dirty="0" smtClean="0"/>
+              <a:t>, возникнет ошибка, так как в рамках класса такой переменной не существует.</a:t>
+            </a:r>
+          </a:p>
+          <a:p>
+            <a:endParaRPr lang="ru-RU" dirty="0"/>
+          </a:p>
+          <a:p>
+            <a:r>
+              <a:rPr lang="ru-RU" dirty="0" smtClean="0"/>
+              <a:t>Всегда помните, что </a:t>
+            </a:r>
+            <a:r>
+              <a:rPr lang="en-US" dirty="0" err="1" smtClean="0"/>
+              <a:t>limitedInt</a:t>
+            </a:r>
+            <a:r>
+              <a:rPr lang="en-US" dirty="0" smtClean="0"/>
+              <a:t> </a:t>
+            </a:r>
+            <a:r>
+              <a:rPr lang="ru-RU" dirty="0" smtClean="0"/>
+              <a:t>в </a:t>
+            </a:r>
+            <a:r>
+              <a:rPr lang="en-US" dirty="0" smtClean="0"/>
+              <a:t>Start() </a:t>
+            </a:r>
+            <a:r>
+              <a:rPr lang="ru-RU" dirty="0" smtClean="0"/>
+              <a:t>и </a:t>
+            </a:r>
+            <a:r>
+              <a:rPr lang="en-US" dirty="0" err="1" smtClean="0"/>
+              <a:t>limitedInt</a:t>
+            </a:r>
+            <a:r>
+              <a:rPr lang="en-US" dirty="0" smtClean="0"/>
+              <a:t> </a:t>
+            </a:r>
+            <a:r>
+              <a:rPr lang="ru-RU" dirty="0" smtClean="0"/>
+              <a:t>в </a:t>
+            </a:r>
+            <a:r>
+              <a:rPr lang="en-US" dirty="0" smtClean="0"/>
+              <a:t>Example() – </a:t>
+            </a:r>
+            <a:r>
+              <a:rPr lang="ru-RU" dirty="0" smtClean="0"/>
+              <a:t>2 никак не связанные переменные. Для лучшего понимания рекомендую воспринимать фигурные скобки как начало/конец области видимости.</a:t>
+            </a:r>
+          </a:p>
+          <a:p>
+            <a:r>
+              <a:rPr lang="ru-RU" dirty="0" smtClean="0"/>
+              <a:t>Также рекомендую в целом избегать повторяющихся названий переменных, это может путать.</a:t>
             </a:r>
             <a:endParaRPr lang="ru-RU" dirty="0"/>
           </a:p>
@@ -3635,7 +3735,7 @@
     </p:spTree>
     <p:extLst>
       <p:ext uri="{BB962C8B-B14F-4D97-AF65-F5344CB8AC3E}">
-        <p14:creationId xmlns:p14="http://schemas.microsoft.com/office/powerpoint/2010/main" val="767978591"/>
+        <p14:creationId xmlns:p14="http://schemas.microsoft.com/office/powerpoint/2010/main" val="453258644"/>
       </p:ext>
     </p:extLst>
   </p:cSld>
@@ -3684,290 +3784,97 @@
           <a:p>
             <a:pPr algn="ctr"/>
             <a:r>
-              <a:rPr lang="en-US" dirty="0" smtClean="0"/>
-              <a:t>Unity Transform</a:t>
+              <a:rPr lang="ru-RU" dirty="0" smtClean="0"/>
+              <a:t>Арифметика</a:t>
             </a:r>
             <a:endParaRPr lang="ru-RU" dirty="0"/>
           </a:p>
         </p:txBody>
       </p:sp>
-      <p:sp>
-        <p:nvSpPr>
-          <p:cNvPr id="3" name="Объект 2"/>
-          <p:cNvSpPr>
-            <a:spLocks noGrp="1"/>
-          </p:cNvSpPr>
+      <p:pic>
+        <p:nvPicPr>
+          <p:cNvPr id="6" name="Объект 5"/>
+          <p:cNvPicPr>
+            <a:picLocks noGrp="1" noChangeAspect="1"/>
+          </p:cNvPicPr>
           <p:nvPr>
             <p:ph idx="1"/>
           </p:nvPr>
-        </p:nvSpPr>
+        </p:nvPicPr>
+        <p:blipFill>
+          <a:blip r:embed="rId2">
+            <a:extLst>
+              <a:ext uri="{28A0092B-C50C-407E-A947-70E740481C1C}">
+                <a14:useLocalDpi xmlns:a14="http://schemas.microsoft.com/office/drawing/2010/main" val="0"/>
+              </a:ext>
+            </a:extLst>
+          </a:blip>
+          <a:stretch>
+            <a:fillRect/>
+          </a:stretch>
+        </p:blipFill>
         <p:spPr>
           <a:xfrm>
-            <a:off x="328748" y="1325563"/>
-            <a:ext cx="11401698" cy="5036048"/>
+            <a:off x="0" y="1324287"/>
+            <a:ext cx="6244046" cy="5533713"/>
           </a:xfrm>
         </p:spPr>
-        <p:txBody>
-          <a:bodyPr>
-            <a:normAutofit/>
+      </p:pic>
+      <p:sp>
+        <p:nvSpPr>
+          <p:cNvPr id="8" name="TextBox 7"/>
+          <p:cNvSpPr txBox="1"/>
+          <p:nvPr/>
+        </p:nvSpPr>
+        <p:spPr>
+          <a:xfrm>
+            <a:off x="6779623" y="3075480"/>
+            <a:ext cx="5412377" cy="2031325"/>
+          </a:xfrm>
+          <a:prstGeom prst="rect">
+            <a:avLst/>
+          </a:prstGeom>
+          <a:noFill/>
+        </p:spPr>
+        <p:txBody>
+          <a:bodyPr wrap="square" rtlCol="0">
+            <a:spAutoFit/>
           </a:bodyPr>
           <a:lstStyle/>
           <a:p>
-            <a:pPr marL="0" indent="0">
-              <a:buNone/>
-            </a:pPr>
-            <a:r>
-              <a:rPr lang="en-US" sz="1800" b="1" dirty="0" smtClean="0"/>
-              <a:t>Transform</a:t>
-            </a:r>
-            <a:r>
-              <a:rPr lang="en-US" sz="1800" dirty="0" smtClean="0"/>
-              <a:t> – </a:t>
-            </a:r>
-            <a:r>
-              <a:rPr lang="ru-RU" sz="1800" dirty="0" smtClean="0"/>
-              <a:t>крайне важный компонент в </a:t>
-            </a:r>
-            <a:r>
-              <a:rPr lang="en-US" sz="1800" dirty="0" smtClean="0"/>
-              <a:t>Unity. </a:t>
-            </a:r>
-            <a:r>
-              <a:rPr lang="ru-RU" sz="1800" dirty="0" smtClean="0"/>
-              <a:t>Он отвечает за позицию, угол поворота и габариты объектов сцены </a:t>
-            </a:r>
-            <a:r>
-              <a:rPr lang="en-US" sz="1800" dirty="0" smtClean="0"/>
-              <a:t>Unity. </a:t>
-            </a:r>
-            <a:r>
-              <a:rPr lang="ru-RU" sz="1800" dirty="0" smtClean="0"/>
-              <a:t>Запомните – каждый объект сцены содержит </a:t>
-            </a:r>
-            <a:r>
-              <a:rPr lang="en-US" sz="1800" dirty="0" smtClean="0"/>
-              <a:t>Transform. </a:t>
-            </a:r>
-            <a:r>
-              <a:rPr lang="ru-RU" sz="1800" dirty="0" smtClean="0"/>
-              <a:t>Мы только начинаем углубляться в </a:t>
-            </a:r>
-            <a:r>
-              <a:rPr lang="en-US" sz="1800" dirty="0" smtClean="0"/>
-              <a:t>Unity API, </a:t>
-            </a:r>
-            <a:r>
-              <a:rPr lang="ru-RU" sz="1800" dirty="0" smtClean="0"/>
-              <a:t>поэтому сейчас мы разберём лишь небольшую часть функционала </a:t>
-            </a:r>
-            <a:r>
-              <a:rPr lang="en-US" sz="1800" dirty="0" smtClean="0"/>
-              <a:t>Transform.</a:t>
-            </a:r>
-          </a:p>
-          <a:p>
-            <a:pPr marL="0" indent="0">
-              <a:buNone/>
-            </a:pPr>
-            <a:r>
-              <a:rPr lang="ru-RU" sz="1800" b="1" dirty="0" smtClean="0">
-                <a:solidFill>
-                  <a:srgbClr val="FF0000"/>
-                </a:solidFill>
-              </a:rPr>
-              <a:t>Запомните</a:t>
-            </a:r>
-            <a:r>
-              <a:rPr lang="ru-RU" sz="1800" dirty="0" smtClean="0"/>
-              <a:t>: вы можете обращаться к компоненту </a:t>
-            </a:r>
-            <a:r>
-              <a:rPr lang="en-US" sz="1800" dirty="0" smtClean="0"/>
-              <a:t>Transform </a:t>
-            </a:r>
-            <a:r>
-              <a:rPr lang="ru-RU" sz="1800" dirty="0" smtClean="0"/>
-              <a:t>любого игрового объекта при помощи ключевого слова </a:t>
-            </a:r>
-            <a:r>
-              <a:rPr lang="en-US" sz="1800" b="1" dirty="0" smtClean="0"/>
-              <a:t>transform</a:t>
-            </a:r>
-            <a:r>
-              <a:rPr lang="en-US" sz="1800" dirty="0" smtClean="0"/>
-              <a:t> (</a:t>
-            </a:r>
-            <a:r>
-              <a:rPr lang="ru-RU" sz="1800" dirty="0" smtClean="0"/>
-              <a:t>с маленькой буквы</a:t>
-            </a:r>
-            <a:r>
-              <a:rPr lang="en-US" sz="1800" dirty="0" smtClean="0"/>
-              <a:t>) </a:t>
-            </a:r>
-            <a:r>
-              <a:rPr lang="ru-RU" sz="1800" dirty="0" smtClean="0"/>
-              <a:t>и оператора «</a:t>
-            </a:r>
-            <a:r>
-              <a:rPr lang="ru-RU" sz="1800" b="1" dirty="0" smtClean="0"/>
-              <a:t>.</a:t>
-            </a:r>
-            <a:r>
-              <a:rPr lang="ru-RU" sz="1800" dirty="0" smtClean="0"/>
-              <a:t>».</a:t>
-            </a:r>
-            <a:endParaRPr lang="en-US" sz="1800" dirty="0" smtClean="0"/>
-          </a:p>
-          <a:p>
-            <a:pPr marL="0" indent="0">
-              <a:buNone/>
-            </a:pPr>
-            <a:endParaRPr lang="en-US" sz="1800" dirty="0"/>
-          </a:p>
-          <a:p>
-            <a:pPr marL="0" indent="0">
-              <a:buNone/>
-            </a:pPr>
-            <a:endParaRPr lang="ru-RU" sz="1800" dirty="0" smtClean="0"/>
-          </a:p>
-          <a:p>
-            <a:pPr marL="0" indent="0" algn="ctr">
-              <a:buNone/>
-            </a:pPr>
-            <a:r>
-              <a:rPr lang="ru-RU" sz="1800" i="1" dirty="0" smtClean="0">
-                <a:latin typeface="Georgia" panose="02040502050405020303" pitchFamily="18" charset="0"/>
-              </a:rPr>
-              <a:t>Значения:</a:t>
-            </a:r>
-            <a:endParaRPr lang="ru-RU" sz="1800" i="1" dirty="0">
-              <a:latin typeface="Georgia" panose="02040502050405020303" pitchFamily="18" charset="0"/>
-            </a:endParaRPr>
-          </a:p>
-          <a:p>
-            <a:pPr marL="0" indent="0">
-              <a:buNone/>
-            </a:pPr>
-            <a:r>
-              <a:rPr lang="en-US" sz="1800" b="1" dirty="0" err="1" smtClean="0"/>
-              <a:t>transform.position</a:t>
-            </a:r>
-            <a:r>
-              <a:rPr lang="en-US" sz="1800" dirty="0" smtClean="0"/>
-              <a:t> – </a:t>
-            </a:r>
-            <a:r>
-              <a:rPr lang="ru-RU" sz="1800" dirty="0" smtClean="0"/>
-              <a:t>позволяет напрямую задать координаты в пространстве. Принимает значения </a:t>
-            </a:r>
-            <a:r>
-              <a:rPr lang="en-US" sz="1800" dirty="0" smtClean="0"/>
-              <a:t>Vector3.</a:t>
-            </a:r>
-            <a:endParaRPr lang="ru-RU" sz="1800" dirty="0" smtClean="0"/>
-          </a:p>
-          <a:p>
-            <a:pPr marL="0" indent="0">
-              <a:buNone/>
-            </a:pPr>
-            <a:r>
-              <a:rPr lang="en-US" sz="1800" b="1" dirty="0" err="1" smtClean="0"/>
-              <a:t>transform.eulerAngles</a:t>
-            </a:r>
-            <a:r>
-              <a:rPr lang="en-US" sz="1800" dirty="0" smtClean="0"/>
-              <a:t> – </a:t>
-            </a:r>
-            <a:r>
-              <a:rPr lang="ru-RU" sz="1800" dirty="0" smtClean="0"/>
-              <a:t>позволяет задать углы поворота по осям </a:t>
-            </a:r>
-            <a:r>
-              <a:rPr lang="en-US" sz="1800" dirty="0" smtClean="0"/>
-              <a:t>x, y </a:t>
-            </a:r>
-            <a:r>
-              <a:rPr lang="ru-RU" sz="1800" dirty="0" smtClean="0"/>
-              <a:t>и </a:t>
-            </a:r>
-            <a:r>
-              <a:rPr lang="en-US" sz="1800" dirty="0" smtClean="0"/>
-              <a:t>z. </a:t>
-            </a:r>
-            <a:r>
-              <a:rPr lang="ru-RU" sz="1800" dirty="0" smtClean="0"/>
-              <a:t>Принимает значения </a:t>
-            </a:r>
-            <a:r>
-              <a:rPr lang="en-US" sz="1800" dirty="0" smtClean="0"/>
-              <a:t>Vector3.</a:t>
-            </a:r>
-          </a:p>
-          <a:p>
-            <a:pPr marL="0" indent="0">
-              <a:buNone/>
-            </a:pPr>
-            <a:r>
-              <a:rPr lang="en-US" sz="1800" b="1" dirty="0" err="1" smtClean="0"/>
-              <a:t>transform.localScale</a:t>
-            </a:r>
-            <a:r>
-              <a:rPr lang="en-US" sz="1800" dirty="0" smtClean="0"/>
-              <a:t> – </a:t>
-            </a:r>
-            <a:r>
-              <a:rPr lang="ru-RU" sz="1800" dirty="0" smtClean="0"/>
-              <a:t>позволяет менять габариты объекта по осям </a:t>
-            </a:r>
-            <a:r>
-              <a:rPr lang="en-US" sz="1800" dirty="0" smtClean="0"/>
-              <a:t>x, y </a:t>
-            </a:r>
-            <a:r>
-              <a:rPr lang="ru-RU" sz="1800" dirty="0" smtClean="0"/>
-              <a:t>и</a:t>
-            </a:r>
-            <a:r>
-              <a:rPr lang="en-US" sz="1800" dirty="0" smtClean="0"/>
-              <a:t> z</a:t>
-            </a:r>
-            <a:r>
-              <a:rPr lang="ru-RU" sz="1800" dirty="0" smtClean="0"/>
-              <a:t>. Принимает значени</a:t>
-            </a:r>
-            <a:r>
-              <a:rPr lang="ru-RU" sz="1800" dirty="0"/>
-              <a:t>я</a:t>
-            </a:r>
-            <a:r>
-              <a:rPr lang="ru-RU" sz="1800" dirty="0" smtClean="0"/>
+            <a:r>
+              <a:rPr lang="en-US" dirty="0" smtClean="0"/>
+              <a:t>C# </a:t>
+            </a:r>
+            <a:r>
+              <a:rPr lang="ru-RU" dirty="0" smtClean="0"/>
+              <a:t>поддерживает набор стандартных операторов для выполнения различных арифметических действий. </a:t>
+            </a:r>
+          </a:p>
+          <a:p>
+            <a:endParaRPr lang="ru-RU" dirty="0"/>
+          </a:p>
+          <a:p>
+            <a:r>
+              <a:rPr lang="ru-RU" dirty="0" smtClean="0"/>
+              <a:t>Также можно складывать и строки – результатом суммы строк будет являться строка, содержащая</a:t>
+            </a:r>
+            <a:r>
+              <a:rPr lang="en-US" dirty="0" smtClean="0"/>
               <a:t> </a:t>
             </a:r>
             <a:r>
-              <a:rPr lang="en-US" sz="1800" dirty="0" smtClean="0"/>
-              <a:t>Vector3.</a:t>
-            </a:r>
-            <a:endParaRPr lang="ru-RU" sz="1800" dirty="0" smtClean="0"/>
-          </a:p>
-          <a:p>
-            <a:pPr marL="0" indent="0">
-              <a:buNone/>
-            </a:pPr>
-            <a:endParaRPr lang="ru-RU" sz="1800" dirty="0"/>
-          </a:p>
-          <a:p>
-            <a:pPr marL="0" indent="0">
-              <a:buNone/>
-            </a:pPr>
-            <a:endParaRPr lang="ru-RU" sz="1800" dirty="0"/>
+              <a:rPr lang="ru-RU" dirty="0" smtClean="0"/>
+              <a:t>обе предыдущие. </a:t>
+            </a:r>
+            <a:endParaRPr lang="ru-RU" dirty="0"/>
           </a:p>
         </p:txBody>
       </p:sp>
     </p:spTree>
     <p:extLst>
       <p:ext uri="{BB962C8B-B14F-4D97-AF65-F5344CB8AC3E}">
-        <p14:creationId xmlns:p14="http://schemas.microsoft.com/office/powerpoint/2010/main" val="3551087200"/>
+        <p14:creationId xmlns:p14="http://schemas.microsoft.com/office/powerpoint/2010/main" val="767978591"/>
       </p:ext>
     </p:extLst>
   </p:cSld>
@@ -4049,55 +3956,119 @@
               <a:buNone/>
             </a:pPr>
             <a:r>
-              <a:rPr lang="ru-RU" sz="1800" dirty="0"/>
-              <a:t>Т. к. данные параметры принимают значения </a:t>
-            </a:r>
-            <a:r>
-              <a:rPr lang="en-US" sz="1800" dirty="0"/>
-              <a:t>Vector3, </a:t>
-            </a:r>
-            <a:r>
-              <a:rPr lang="ru-RU" sz="1800" dirty="0"/>
-              <a:t>значит с ними можно проводить операции сложения, вычитания, деления и умножения. Например:</a:t>
+              <a:rPr lang="en-US" sz="1800" b="1" dirty="0" smtClean="0"/>
+              <a:t>Transform</a:t>
+            </a:r>
+            <a:r>
+              <a:rPr lang="en-US" sz="1800" dirty="0" smtClean="0"/>
+              <a:t> – </a:t>
+            </a:r>
+            <a:r>
+              <a:rPr lang="ru-RU" sz="1800" dirty="0" smtClean="0"/>
+              <a:t>крайне важный компонент в </a:t>
+            </a:r>
+            <a:r>
+              <a:rPr lang="en-US" sz="1800" dirty="0" smtClean="0"/>
+              <a:t>Unity. </a:t>
+            </a:r>
+            <a:r>
+              <a:rPr lang="ru-RU" sz="1800" dirty="0" smtClean="0"/>
+              <a:t>Он отвечает за позицию, угол поворота и габариты объектов сцены </a:t>
+            </a:r>
+            <a:r>
+              <a:rPr lang="en-US" sz="1800" dirty="0" smtClean="0"/>
+              <a:t>Unity. </a:t>
+            </a:r>
+            <a:r>
+              <a:rPr lang="ru-RU" sz="1800" dirty="0" smtClean="0"/>
+              <a:t>Запомните – каждый объект сцены содержит </a:t>
+            </a:r>
+            <a:r>
+              <a:rPr lang="en-US" sz="1800" dirty="0" smtClean="0"/>
+              <a:t>Transform. </a:t>
+            </a:r>
+            <a:r>
+              <a:rPr lang="ru-RU" sz="1800" dirty="0" smtClean="0"/>
+              <a:t>Мы только начинаем углубляться в </a:t>
+            </a:r>
+            <a:r>
+              <a:rPr lang="en-US" sz="1800" dirty="0" smtClean="0"/>
+              <a:t>Unity API, </a:t>
+            </a:r>
+            <a:r>
+              <a:rPr lang="ru-RU" sz="1800" dirty="0" smtClean="0"/>
+              <a:t>поэтому сейчас мы разберём лишь небольшую часть функционала </a:t>
+            </a:r>
+            <a:r>
+              <a:rPr lang="en-US" sz="1800" dirty="0" smtClean="0"/>
+              <a:t>Transform.</a:t>
             </a:r>
           </a:p>
           <a:p>
             <a:pPr marL="0" indent="0">
               <a:buNone/>
             </a:pPr>
-            <a:endParaRPr lang="ru-RU" sz="1800" dirty="0"/>
-          </a:p>
-          <a:p>
-            <a:pPr marL="0" indent="0" algn="ctr">
+            <a:r>
+              <a:rPr lang="ru-RU" sz="1800" b="1" dirty="0" smtClean="0">
+                <a:solidFill>
+                  <a:srgbClr val="FF0000"/>
+                </a:solidFill>
+              </a:rPr>
+              <a:t>Запомните</a:t>
+            </a:r>
+            <a:r>
+              <a:rPr lang="ru-RU" sz="1800" dirty="0" smtClean="0"/>
+              <a:t>: вы можете обращаться к компоненту </a:t>
+            </a:r>
+            <a:r>
+              <a:rPr lang="en-US" sz="1800" dirty="0" smtClean="0"/>
+              <a:t>Transform </a:t>
+            </a:r>
+            <a:r>
+              <a:rPr lang="ru-RU" sz="1800" dirty="0" smtClean="0"/>
+              <a:t>любого игрового объекта при помощи ключевого слова </a:t>
+            </a:r>
+            <a:r>
+              <a:rPr lang="en-US" sz="1800" b="1" dirty="0" smtClean="0"/>
+              <a:t>transform</a:t>
+            </a:r>
+            <a:r>
+              <a:rPr lang="en-US" sz="1800" dirty="0" smtClean="0"/>
+              <a:t> (</a:t>
+            </a:r>
+            <a:r>
+              <a:rPr lang="ru-RU" sz="1800" dirty="0" smtClean="0"/>
+              <a:t>с маленькой буквы</a:t>
+            </a:r>
+            <a:r>
+              <a:rPr lang="en-US" sz="1800" dirty="0" smtClean="0"/>
+              <a:t>) </a:t>
+            </a:r>
+            <a:r>
+              <a:rPr lang="ru-RU" sz="1800" dirty="0" smtClean="0"/>
+              <a:t>и оператора «</a:t>
+            </a:r>
+            <a:r>
+              <a:rPr lang="ru-RU" sz="1800" b="1" dirty="0" smtClean="0"/>
+              <a:t>.</a:t>
+            </a:r>
+            <a:r>
+              <a:rPr lang="ru-RU" sz="1800" dirty="0" smtClean="0"/>
+              <a:t>».</a:t>
+            </a:r>
+            <a:endParaRPr lang="en-US" sz="1800" dirty="0" smtClean="0"/>
+          </a:p>
+          <a:p>
+            <a:pPr marL="0" indent="0">
               <a:buNone/>
             </a:pPr>
-            <a:r>
-              <a:rPr lang="en-US" sz="1800" b="1" dirty="0" err="1"/>
-              <a:t>transform.position</a:t>
-            </a:r>
-            <a:r>
-              <a:rPr lang="en-US" sz="1800" b="1" dirty="0"/>
-              <a:t> += Vector3.forward * </a:t>
-            </a:r>
-            <a:r>
-              <a:rPr lang="en-US" sz="1800" b="1" dirty="0" err="1"/>
-              <a:t>Time.deltaTime</a:t>
-            </a:r>
-            <a:r>
-              <a:rPr lang="en-US" sz="1800" b="1" dirty="0" smtClean="0"/>
-              <a:t>;</a:t>
-            </a:r>
-            <a:endParaRPr lang="en-US" sz="1800" i="1" dirty="0" smtClean="0">
-              <a:latin typeface="Georgia" panose="02040502050405020303" pitchFamily="18" charset="0"/>
-            </a:endParaRPr>
-          </a:p>
-          <a:p>
-            <a:pPr marL="0" indent="0" algn="ctr">
+            <a:endParaRPr lang="en-US" sz="1800" dirty="0"/>
+          </a:p>
+          <a:p>
+            <a:pPr marL="0" indent="0">
               <a:buNone/>
             </a:pPr>
-            <a:endParaRPr lang="en-US" sz="1800" i="1" dirty="0">
-              <a:latin typeface="Georgia" panose="02040502050405020303" pitchFamily="18" charset="0"/>
-            </a:endParaRPr>
+            <a:endParaRPr lang="ru-RU" sz="1800" dirty="0" smtClean="0"/>
           </a:p>
           <a:p>
             <a:pPr marL="0" indent="0" algn="ctr">
@@ -4107,113 +4078,127 @@
               <a:rPr lang="ru-RU" sz="1800" i="1" dirty="0" smtClean="0">
                 <a:latin typeface="Georgia" panose="02040502050405020303" pitchFamily="18" charset="0"/>
               </a:rPr>
-              <a:t>Методы:</a:t>
-            </a:r>
-          </a:p>
-          <a:p>
-            <a:pPr marL="0" indent="0">
-              <a:buNone/>
-            </a:pPr>
-            <a:r>
-              <a:rPr lang="en-US" sz="1800" b="1" dirty="0" err="1" smtClean="0"/>
-              <a:t>transform.Translate</a:t>
-            </a:r>
-            <a:r>
-              <a:rPr lang="en-US" sz="1800" b="1" dirty="0" smtClean="0"/>
-              <a:t>(Vector3 </a:t>
-            </a:r>
-            <a:r>
-              <a:rPr lang="ru-RU" sz="1800" b="1" dirty="0" smtClean="0"/>
-              <a:t>направление); </a:t>
-            </a:r>
-            <a:r>
-              <a:rPr lang="ru-RU" sz="1800" dirty="0" smtClean="0"/>
-              <a:t>– перемещает объект по данному вектору.</a:t>
-            </a:r>
-          </a:p>
-          <a:p>
-            <a:pPr marL="0" indent="0">
-              <a:buNone/>
-            </a:pPr>
-            <a:r>
-              <a:rPr lang="en-US" sz="1800" b="1" dirty="0" err="1" smtClean="0"/>
-              <a:t>transform.Rotate</a:t>
-            </a:r>
-            <a:r>
-              <a:rPr lang="en-US" sz="1800" b="1" dirty="0" smtClean="0"/>
-              <a:t>(Vector3 </a:t>
-            </a:r>
-            <a:r>
-              <a:rPr lang="ru-RU" sz="1800" b="1" dirty="0" err="1" smtClean="0"/>
-              <a:t>углыПоворота</a:t>
-            </a:r>
-            <a:r>
-              <a:rPr lang="ru-RU" sz="1800" b="1" dirty="0" smtClean="0"/>
-              <a:t>); </a:t>
-            </a:r>
-            <a:r>
-              <a:rPr lang="ru-RU" sz="1800" dirty="0" smtClean="0"/>
-              <a:t>– поворачивает объект по выбранным осям.</a:t>
-            </a:r>
-          </a:p>
-          <a:p>
-            <a:pPr marL="0" indent="0">
-              <a:buNone/>
-            </a:pPr>
-            <a:endParaRPr lang="ru-RU" sz="1800" dirty="0"/>
-          </a:p>
-          <a:p>
-            <a:pPr marL="0" indent="0" algn="ctr">
-              <a:buNone/>
-            </a:pPr>
-            <a:r>
-              <a:rPr lang="ru-RU" sz="1800" i="1" dirty="0" smtClean="0">
-                <a:latin typeface="Georgia" panose="02040502050405020303" pitchFamily="18" charset="0"/>
-              </a:rPr>
-              <a:t>Примеры:</a:t>
+              <a:t>Значения:</a:t>
             </a:r>
             <a:endParaRPr lang="ru-RU" sz="1800" i="1" dirty="0">
               <a:latin typeface="Georgia" panose="02040502050405020303" pitchFamily="18" charset="0"/>
             </a:endParaRPr>
           </a:p>
           <a:p>
-            <a:pPr marL="0" indent="0" algn="ctr">
+            <a:pPr marL="0" indent="0">
               <a:buNone/>
             </a:pPr>
             <a:r>
               <a:rPr lang="en-US" sz="1800" b="1" dirty="0" err="1" smtClean="0"/>
-              <a:t>transform.Translate</a:t>
-            </a:r>
-            <a:r>
-              <a:rPr lang="en-US" sz="1800" b="1" dirty="0" smtClean="0"/>
-              <a:t>(new Vector3(2f, 3.5f, 1.25f</a:t>
-            </a:r>
-            <a:r>
-              <a:rPr lang="ru-RU" sz="1800" b="1" dirty="0" smtClean="0"/>
-              <a:t>)</a:t>
-            </a:r>
-            <a:r>
-              <a:rPr lang="en-US" sz="1800" b="1" dirty="0" smtClean="0"/>
-              <a:t>)</a:t>
-            </a:r>
-            <a:r>
-              <a:rPr lang="ru-RU" sz="1800" b="1" dirty="0" smtClean="0"/>
-              <a:t>;</a:t>
-            </a:r>
-            <a:endParaRPr lang="en-US" sz="1800" b="1" dirty="0" smtClean="0"/>
-          </a:p>
-          <a:p>
-            <a:pPr marL="0" indent="0" algn="ctr">
+              <a:t>transform.position</a:t>
+            </a:r>
+            <a:r>
+              <a:rPr lang="en-US" sz="1800" dirty="0" smtClean="0"/>
+              <a:t> – </a:t>
+            </a:r>
+            <a:r>
+              <a:rPr lang="ru-RU" sz="1800" dirty="0" smtClean="0"/>
+              <a:t>позволяет напрямую задать координаты в пространстве. Принимает значения </a:t>
+            </a:r>
+            <a:r>
+              <a:rPr lang="en-US" sz="1800" dirty="0" smtClean="0"/>
+              <a:t>Vector3.</a:t>
+            </a:r>
+            <a:endParaRPr lang="ru-RU" sz="1800" dirty="0" smtClean="0"/>
+          </a:p>
+          <a:p>
+            <a:pPr marL="0" indent="0">
               <a:buNone/>
             </a:pPr>
             <a:r>
               <a:rPr lang="en-US" sz="1800" b="1" dirty="0" err="1" smtClean="0"/>
-              <a:t>transform.Rotate</a:t>
-            </a:r>
-            <a:r>
-              <a:rPr lang="en-US" sz="1800" b="1" dirty="0" smtClean="0"/>
-              <a:t>(new Vector3(60f, 0f, 0f));</a:t>
-            </a:r>
+              <a:t>transform.eulerAngles</a:t>
+            </a:r>
+            <a:r>
+              <a:rPr lang="en-US" sz="1800" dirty="0" smtClean="0"/>
+              <a:t> – </a:t>
+            </a:r>
+            <a:r>
+              <a:rPr lang="ru-RU" sz="1800" dirty="0" smtClean="0"/>
+              <a:t>позволяет задать углы поворота по осям </a:t>
+            </a:r>
+            <a:r>
+              <a:rPr lang="en-US" sz="1800" dirty="0" smtClean="0"/>
+              <a:t>x, y </a:t>
+            </a:r>
+            <a:r>
+              <a:rPr lang="ru-RU" sz="1800" dirty="0" smtClean="0"/>
+              <a:t>и </a:t>
+            </a:r>
+            <a:r>
+              <a:rPr lang="en-US" sz="1800" dirty="0" smtClean="0"/>
+              <a:t>z. </a:t>
+            </a:r>
+            <a:r>
+              <a:rPr lang="ru-RU" sz="1800" dirty="0" smtClean="0"/>
+              <a:t>Принимает значения </a:t>
+            </a:r>
+            <a:r>
+              <a:rPr lang="en-US" sz="1800" dirty="0" smtClean="0"/>
+              <a:t>Vector3.</a:t>
+            </a:r>
+          </a:p>
+          <a:p>
+            <a:pPr marL="0" indent="0">
+              <a:buNone/>
+            </a:pPr>
+            <a:r>
+              <a:rPr lang="en-US" sz="1800" b="1" dirty="0" err="1" smtClean="0"/>
+              <a:t>transform.localScale</a:t>
+            </a:r>
+            <a:r>
+              <a:rPr lang="en-US" sz="1800" dirty="0" smtClean="0"/>
+              <a:t> – </a:t>
+            </a:r>
+            <a:r>
+              <a:rPr lang="ru-RU" sz="1800" dirty="0" smtClean="0"/>
+              <a:t>позволяет менять габариты объекта по осям </a:t>
+            </a:r>
+            <a:r>
+              <a:rPr lang="en-US" sz="1800" dirty="0" smtClean="0"/>
+              <a:t>x, y </a:t>
+            </a:r>
+            <a:r>
+              <a:rPr lang="ru-RU" sz="1800" dirty="0" smtClean="0"/>
+              <a:t>и</a:t>
+            </a:r>
+            <a:r>
+              <a:rPr lang="en-US" sz="1800" dirty="0" smtClean="0"/>
+              <a:t> z</a:t>
+            </a:r>
+            <a:r>
+              <a:rPr lang="ru-RU" sz="1800" dirty="0" smtClean="0"/>
+              <a:t>. Принимает значени</a:t>
+            </a:r>
+            <a:r>
+              <a:rPr lang="ru-RU" sz="1800" dirty="0"/>
+              <a:t>я</a:t>
+            </a:r>
+            <a:r>
+              <a:rPr lang="ru-RU" sz="1800" dirty="0" smtClean="0"/>
+              <a:t> </a:t>
+            </a:r>
+            <a:r>
+              <a:rPr lang="en-US" sz="1800" dirty="0" smtClean="0"/>
+              <a:t>Vector3.</a:t>
+            </a:r>
+            <a:endParaRPr lang="ru-RU" sz="1800" dirty="0" smtClean="0"/>
+          </a:p>
+          <a:p>
+            <a:pPr marL="0" indent="0">
+              <a:buNone/>
+            </a:pPr>
+            <a:endParaRPr lang="ru-RU" sz="1800" dirty="0"/>
+          </a:p>
+          <a:p>
+            <a:pPr marL="0" indent="0">
+              <a:buNone/>
+            </a:pPr>
             <a:endParaRPr lang="ru-RU" sz="1800" dirty="0"/>
           </a:p>
         </p:txBody>
@@ -4221,7 +4206,7 @@
     </p:spTree>
     <p:extLst>
       <p:ext uri="{BB962C8B-B14F-4D97-AF65-F5344CB8AC3E}">
-        <p14:creationId xmlns:p14="http://schemas.microsoft.com/office/powerpoint/2010/main" val="2010664679"/>
+        <p14:creationId xmlns:p14="http://schemas.microsoft.com/office/powerpoint/2010/main" val="3551087200"/>
       </p:ext>
     </p:extLst>
   </p:cSld>
@@ -4258,19 +4243,20 @@
             <p:ph type="title"/>
           </p:nvPr>
         </p:nvSpPr>
-        <p:spPr/>
+        <p:spPr>
+          <a:xfrm>
+            <a:off x="838200" y="0"/>
+            <a:ext cx="10515600" cy="1325563"/>
+          </a:xfrm>
+        </p:spPr>
         <p:txBody>
           <a:bodyPr/>
           <a:lstStyle/>
           <a:p>
             <a:pPr algn="ctr"/>
             <a:r>
-              <a:rPr lang="ru-RU" dirty="0"/>
-              <a:t>Домашнее задание – обязательное!!</a:t>
-            </a:r>
-            <a:r>
-              <a:rPr lang="en-US" dirty="0"/>
-              <a:t>!</a:t>
+              <a:rPr lang="en-US" dirty="0" smtClean="0"/>
+              <a:t>Unity Transform</a:t>
             </a:r>
             <a:endParaRPr lang="ru-RU" dirty="0"/>
           </a:p>
@@ -4286,13 +4272,266 @@
             <p:ph idx="1"/>
           </p:nvPr>
         </p:nvSpPr>
-        <p:spPr/>
+        <p:spPr>
+          <a:xfrm>
+            <a:off x="328748" y="1325563"/>
+            <a:ext cx="11401698" cy="5036048"/>
+          </a:xfrm>
+        </p:spPr>
         <p:txBody>
           <a:bodyPr>
             <a:normAutofit/>
           </a:bodyPr>
           <a:lstStyle/>
           <a:p>
+            <a:pPr marL="0" indent="0">
+              <a:buNone/>
+            </a:pPr>
+            <a:r>
+              <a:rPr lang="ru-RU" sz="1800" dirty="0"/>
+              <a:t>Т. к. данные параметры принимают значения </a:t>
+            </a:r>
+            <a:r>
+              <a:rPr lang="en-US" sz="1800" dirty="0"/>
+              <a:t>Vector3, </a:t>
+            </a:r>
+            <a:r>
+              <a:rPr lang="ru-RU" sz="1800" dirty="0"/>
+              <a:t>значит с ними можно проводить операции сложения, вычитания, деления и умножения. Например:</a:t>
+            </a:r>
+          </a:p>
+          <a:p>
+            <a:pPr marL="0" indent="0">
+              <a:buNone/>
+            </a:pPr>
+            <a:endParaRPr lang="ru-RU" sz="1800" dirty="0"/>
+          </a:p>
+          <a:p>
+            <a:pPr marL="0" indent="0" algn="ctr">
+              <a:buNone/>
+            </a:pPr>
+            <a:r>
+              <a:rPr lang="en-US" sz="1800" b="1" dirty="0" err="1"/>
+              <a:t>transform.position</a:t>
+            </a:r>
+            <a:r>
+              <a:rPr lang="en-US" sz="1800" b="1" dirty="0"/>
+              <a:t> += Vector3.forward * </a:t>
+            </a:r>
+            <a:r>
+              <a:rPr lang="en-US" sz="1800" b="1" dirty="0" err="1"/>
+              <a:t>Time.deltaTime</a:t>
+            </a:r>
+            <a:r>
+              <a:rPr lang="en-US" sz="1800" b="1" dirty="0" smtClean="0"/>
+              <a:t>;</a:t>
+            </a:r>
+            <a:endParaRPr lang="en-US" sz="1800" i="1" dirty="0" smtClean="0">
+              <a:latin typeface="Georgia" panose="02040502050405020303" pitchFamily="18" charset="0"/>
+            </a:endParaRPr>
+          </a:p>
+          <a:p>
+            <a:pPr marL="0" indent="0" algn="ctr">
+              <a:buNone/>
+            </a:pPr>
+            <a:endParaRPr lang="en-US" sz="1800" i="1" dirty="0">
+              <a:latin typeface="Georgia" panose="02040502050405020303" pitchFamily="18" charset="0"/>
+            </a:endParaRPr>
+          </a:p>
+          <a:p>
+            <a:pPr marL="0" indent="0" algn="ctr">
+              <a:buNone/>
+            </a:pPr>
+            <a:r>
+              <a:rPr lang="ru-RU" sz="1800" i="1" dirty="0" smtClean="0">
+                <a:latin typeface="Georgia" panose="02040502050405020303" pitchFamily="18" charset="0"/>
+              </a:rPr>
+              <a:t>Методы:</a:t>
+            </a:r>
+          </a:p>
+          <a:p>
+            <a:pPr marL="0" indent="0">
+              <a:buNone/>
+            </a:pPr>
+            <a:r>
+              <a:rPr lang="en-US" sz="1800" b="1" dirty="0" err="1" smtClean="0"/>
+              <a:t>transform.Translate</a:t>
+            </a:r>
+            <a:r>
+              <a:rPr lang="en-US" sz="1800" b="1" dirty="0" smtClean="0"/>
+              <a:t>(Vector3 </a:t>
+            </a:r>
+            <a:r>
+              <a:rPr lang="ru-RU" sz="1800" b="1" dirty="0" smtClean="0"/>
+              <a:t>направление); </a:t>
+            </a:r>
+            <a:r>
+              <a:rPr lang="ru-RU" sz="1800" dirty="0" smtClean="0"/>
+              <a:t>– перемещает объект по данному вектору.</a:t>
+            </a:r>
+          </a:p>
+          <a:p>
+            <a:pPr marL="0" indent="0">
+              <a:buNone/>
+            </a:pPr>
+            <a:r>
+              <a:rPr lang="en-US" sz="1800" b="1" dirty="0" err="1" smtClean="0"/>
+              <a:t>transform.Rotate</a:t>
+            </a:r>
+            <a:r>
+              <a:rPr lang="en-US" sz="1800" b="1" dirty="0" smtClean="0"/>
+              <a:t>(Vector3 </a:t>
+            </a:r>
+            <a:r>
+              <a:rPr lang="ru-RU" sz="1800" b="1" dirty="0" err="1" smtClean="0"/>
+              <a:t>углыПоворота</a:t>
+            </a:r>
+            <a:r>
+              <a:rPr lang="ru-RU" sz="1800" b="1" dirty="0" smtClean="0"/>
+              <a:t>); </a:t>
+            </a:r>
+            <a:r>
+              <a:rPr lang="ru-RU" sz="1800" dirty="0" smtClean="0"/>
+              <a:t>– поворачивает объект по выбранным осям.</a:t>
+            </a:r>
+          </a:p>
+          <a:p>
+            <a:pPr marL="0" indent="0">
+              <a:buNone/>
+            </a:pPr>
+            <a:endParaRPr lang="ru-RU" sz="1800" dirty="0"/>
+          </a:p>
+          <a:p>
+            <a:pPr marL="0" indent="0" algn="ctr">
+              <a:buNone/>
+            </a:pPr>
+            <a:r>
+              <a:rPr lang="ru-RU" sz="1800" i="1" dirty="0" smtClean="0">
+                <a:latin typeface="Georgia" panose="02040502050405020303" pitchFamily="18" charset="0"/>
+              </a:rPr>
+              <a:t>Примеры:</a:t>
+            </a:r>
+            <a:endParaRPr lang="ru-RU" sz="1800" i="1" dirty="0">
+              <a:latin typeface="Georgia" panose="02040502050405020303" pitchFamily="18" charset="0"/>
+            </a:endParaRPr>
+          </a:p>
+          <a:p>
+            <a:pPr marL="0" indent="0" algn="ctr">
+              <a:buNone/>
+            </a:pPr>
+            <a:r>
+              <a:rPr lang="en-US" sz="1800" b="1" dirty="0" err="1" smtClean="0"/>
+              <a:t>transform.Translate</a:t>
+            </a:r>
+            <a:r>
+              <a:rPr lang="en-US" sz="1800" b="1" dirty="0" smtClean="0"/>
+              <a:t>(new Vector3(2f, 3.5f, 1.25f</a:t>
+            </a:r>
+            <a:r>
+              <a:rPr lang="ru-RU" sz="1800" b="1" dirty="0" smtClean="0"/>
+              <a:t>)</a:t>
+            </a:r>
+            <a:r>
+              <a:rPr lang="en-US" sz="1800" b="1" dirty="0" smtClean="0"/>
+              <a:t>)</a:t>
+            </a:r>
+            <a:r>
+              <a:rPr lang="ru-RU" sz="1800" b="1" dirty="0" smtClean="0"/>
+              <a:t>;</a:t>
+            </a:r>
+            <a:endParaRPr lang="en-US" sz="1800" b="1" dirty="0" smtClean="0"/>
+          </a:p>
+          <a:p>
+            <a:pPr marL="0" indent="0" algn="ctr">
+              <a:buNone/>
+            </a:pPr>
+            <a:r>
+              <a:rPr lang="en-US" sz="1800" b="1" dirty="0" err="1" smtClean="0"/>
+              <a:t>transform.Rotate</a:t>
+            </a:r>
+            <a:r>
+              <a:rPr lang="en-US" sz="1800" b="1" dirty="0" smtClean="0"/>
+              <a:t>(new Vector3(60f, 0f, 0f));</a:t>
+            </a:r>
+            <a:endParaRPr lang="ru-RU" sz="1800" dirty="0"/>
+          </a:p>
+        </p:txBody>
+      </p:sp>
+    </p:spTree>
+    <p:extLst>
+      <p:ext uri="{BB962C8B-B14F-4D97-AF65-F5344CB8AC3E}">
+        <p14:creationId xmlns:p14="http://schemas.microsoft.com/office/powerpoint/2010/main" val="2010664679"/>
+      </p:ext>
+    </p:extLst>
+  </p:cSld>
+  <p:clrMapOvr>
+    <a:masterClrMapping/>
+  </p:clrMapOvr>
+</p:sld>
+</file>
+
+<file path=ppt/slides/slide14.xml><?xml version="1.0" encoding="utf-8"?>
+<p:sld xmlns:a="http://schemas.openxmlformats.org/drawingml/2006/main" xmlns:r="http://schemas.openxmlformats.org/officeDocument/2006/relationships" xmlns:p="http://schemas.openxmlformats.org/presentationml/2006/main">
+  <p:cSld>
+    <p:spTree>
+      <p:nvGrpSpPr>
+        <p:cNvPr id="1" name=""/>
+        <p:cNvGrpSpPr/>
+        <p:nvPr/>
+      </p:nvGrpSpPr>
+      <p:grpSpPr>
+        <a:xfrm>
+          <a:off x="0" y="0"/>
+          <a:ext cx="0" cy="0"/>
+          <a:chOff x="0" y="0"/>
+          <a:chExt cx="0" cy="0"/>
+        </a:xfrm>
+      </p:grpSpPr>
+      <p:sp>
+        <p:nvSpPr>
+          <p:cNvPr id="2" name="Заголовок 1"/>
+          <p:cNvSpPr>
+            <a:spLocks noGrp="1"/>
+          </p:cNvSpPr>
+          <p:nvPr>
+            <p:ph type="title"/>
+          </p:nvPr>
+        </p:nvSpPr>
+        <p:spPr/>
+        <p:txBody>
+          <a:bodyPr/>
+          <a:lstStyle/>
+          <a:p>
+            <a:pPr algn="ctr"/>
+            <a:r>
+              <a:rPr lang="ru-RU" dirty="0"/>
+              <a:t>Домашнее задание – обязательное!!</a:t>
+            </a:r>
+            <a:r>
+              <a:rPr lang="en-US" dirty="0"/>
+              <a:t>!</a:t>
+            </a:r>
+            <a:endParaRPr lang="ru-RU" dirty="0"/>
+          </a:p>
+        </p:txBody>
+      </p:sp>
+      <p:sp>
+        <p:nvSpPr>
+          <p:cNvPr id="3" name="Объект 2"/>
+          <p:cNvSpPr>
+            <a:spLocks noGrp="1"/>
+          </p:cNvSpPr>
+          <p:nvPr>
+            <p:ph idx="1"/>
+          </p:nvPr>
+        </p:nvSpPr>
+        <p:spPr/>
+        <p:txBody>
+          <a:bodyPr>
+            <a:normAutofit/>
+          </a:bodyPr>
+          <a:lstStyle/>
+          <a:p>
             <a:pPr marL="342900" indent="-342900">
               <a:buAutoNum type="arabicParenR"/>
             </a:pPr>
@@ -4462,11 +4701,7 @@
             </a:r>
             <a:r>
               <a:rPr lang="ru-RU" sz="1800" dirty="0" smtClean="0"/>
-              <a:t>объект телепортировался на его стартовую позицию (в которой он появляется в момент запуска игры</a:t>
-            </a:r>
-            <a:r>
-              <a:rPr lang="ru-RU" sz="1800" dirty="0" smtClean="0"/>
-              <a:t>). Для этого используйте условие </a:t>
+              <a:t>объект телепортировался на его стартовую позицию (в которой он появляется в момент запуска игры). Для этого используйте условие </a:t>
             </a:r>
             <a:r>
               <a:rPr lang="en-US" sz="1800" dirty="0" smtClean="0"/>
@@ -4811,6 +5046,205 @@
           <a:chExt cx="0" cy="0"/>
         </a:xfrm>
       </p:grpSpPr>
+      <p:pic>
+        <p:nvPicPr>
+          <p:cNvPr id="4" name="Рисунок 3"/>
+          <p:cNvPicPr>
+            <a:picLocks noChangeAspect="1"/>
+          </p:cNvPicPr>
+          <p:nvPr/>
+        </p:nvPicPr>
+        <p:blipFill rotWithShape="1">
+          <a:blip r:embed="rId2">
+            <a:extLst>
+              <a:ext uri="{28A0092B-C50C-407E-A947-70E740481C1C}">
+                <a14:useLocalDpi xmlns:a14="http://schemas.microsoft.com/office/drawing/2010/main" val="0"/>
+              </a:ext>
+            </a:extLst>
+          </a:blip>
+          <a:srcRect l="60779"/>
+          <a:stretch/>
+        </p:blipFill>
+        <p:spPr>
+          <a:xfrm>
+            <a:off x="7680453" y="731521"/>
+            <a:ext cx="4511547" cy="6126480"/>
+          </a:xfrm>
+          <a:prstGeom prst="rect">
+            <a:avLst/>
+          </a:prstGeom>
+        </p:spPr>
+      </p:pic>
+      <p:sp>
+        <p:nvSpPr>
+          <p:cNvPr id="2" name="Заголовок 1"/>
+          <p:cNvSpPr>
+            <a:spLocks noGrp="1"/>
+          </p:cNvSpPr>
+          <p:nvPr>
+            <p:ph type="title"/>
+          </p:nvPr>
+        </p:nvSpPr>
+        <p:spPr>
+          <a:xfrm>
+            <a:off x="838200" y="0"/>
+            <a:ext cx="10515600" cy="1325563"/>
+          </a:xfrm>
+        </p:spPr>
+        <p:txBody>
+          <a:bodyPr/>
+          <a:lstStyle/>
+          <a:p>
+            <a:pPr algn="ctr"/>
+            <a:r>
+              <a:rPr lang="ru-RU" dirty="0" smtClean="0"/>
+              <a:t>Компоненты в </a:t>
+            </a:r>
+            <a:r>
+              <a:rPr lang="en-US" dirty="0" smtClean="0"/>
+              <a:t>Unity</a:t>
+            </a:r>
+            <a:endParaRPr lang="ru-RU" dirty="0"/>
+          </a:p>
+        </p:txBody>
+      </p:sp>
+      <p:sp>
+        <p:nvSpPr>
+          <p:cNvPr id="3" name="Объект 2"/>
+          <p:cNvSpPr>
+            <a:spLocks noGrp="1"/>
+          </p:cNvSpPr>
+          <p:nvPr>
+            <p:ph idx="1"/>
+          </p:nvPr>
+        </p:nvSpPr>
+        <p:spPr>
+          <a:xfrm>
+            <a:off x="211183" y="1916113"/>
+            <a:ext cx="7469270" cy="4351338"/>
+          </a:xfrm>
+        </p:spPr>
+        <p:txBody>
+          <a:bodyPr>
+            <a:normAutofit/>
+          </a:bodyPr>
+          <a:lstStyle/>
+          <a:p>
+            <a:pPr marL="0" indent="0">
+              <a:buNone/>
+            </a:pPr>
+            <a:r>
+              <a:rPr lang="ru-RU" sz="1800" dirty="0" smtClean="0"/>
+              <a:t>Компоненты в </a:t>
+            </a:r>
+            <a:r>
+              <a:rPr lang="en-US" sz="1800" dirty="0" smtClean="0"/>
+              <a:t>Unity </a:t>
+            </a:r>
+            <a:r>
+              <a:rPr lang="ru-RU" sz="1800" dirty="0" smtClean="0"/>
+              <a:t>– некоторые «наборы» функционала, которые можно прикреплять к игровым объектам в пространстве </a:t>
+            </a:r>
+            <a:r>
+              <a:rPr lang="en-US" sz="1800" dirty="0" smtClean="0"/>
+              <a:t>Unity. </a:t>
+            </a:r>
+            <a:r>
+              <a:rPr lang="ru-RU" sz="1800" dirty="0" smtClean="0"/>
+              <a:t>Данный движок предоставляет огромный набор компонентов, которые упрощают нашу разработку (например, </a:t>
+            </a:r>
+            <a:r>
+              <a:rPr lang="en-US" sz="1800" dirty="0" smtClean="0"/>
+              <a:t>Mesh Renderer </a:t>
+            </a:r>
+            <a:r>
+              <a:rPr lang="ru-RU" sz="1800" dirty="0" smtClean="0"/>
+              <a:t>отвечает за </a:t>
+            </a:r>
+            <a:r>
+              <a:rPr lang="ru-RU" sz="1800" dirty="0" err="1" smtClean="0"/>
+              <a:t>отрисовку</a:t>
+            </a:r>
+            <a:r>
+              <a:rPr lang="ru-RU" sz="1800" dirty="0" smtClean="0"/>
+              <a:t> объектов в пространстве, </a:t>
+            </a:r>
+            <a:r>
+              <a:rPr lang="en-US" sz="1800" dirty="0" smtClean="0"/>
+              <a:t>Transform </a:t>
+            </a:r>
+            <a:r>
+              <a:rPr lang="ru-RU" sz="1800" dirty="0" smtClean="0"/>
+              <a:t>определяет позицию объекта в пространстве и многое другое).</a:t>
+            </a:r>
+          </a:p>
+          <a:p>
+            <a:pPr marL="0" indent="0">
+              <a:buNone/>
+            </a:pPr>
+            <a:r>
+              <a:rPr lang="ru-RU" sz="1800" dirty="0" smtClean="0"/>
+              <a:t>При помощи кнопки </a:t>
+            </a:r>
+            <a:r>
+              <a:rPr lang="en-US" sz="1800" b="1" dirty="0" smtClean="0"/>
+              <a:t>Add Component </a:t>
+            </a:r>
+            <a:r>
+              <a:rPr lang="ru-RU" sz="1800" dirty="0" smtClean="0"/>
+              <a:t>можно добавить любой необходимый компонент, причём компоненты, добавленные во время запуска игры исчезнут при остановке. Этим можно пользоваться, когда, например, необходимо протестировать физику.</a:t>
+            </a:r>
+          </a:p>
+          <a:p>
+            <a:pPr marL="0" indent="0">
+              <a:buNone/>
+            </a:pPr>
+            <a:r>
+              <a:rPr lang="ru-RU" sz="1800" dirty="0" smtClean="0"/>
+              <a:t>Используя галочку можно также деактивировать </a:t>
+            </a:r>
+            <a:r>
+              <a:rPr lang="ru-RU" sz="1800" dirty="0"/>
+              <a:t>к</a:t>
+            </a:r>
+            <a:r>
+              <a:rPr lang="ru-RU" sz="1800" dirty="0" smtClean="0"/>
+              <a:t>омпоненты. Например, так можно включать/отключать агрессивный режим монстров.</a:t>
+            </a:r>
+            <a:endParaRPr lang="ru-RU" sz="1800" dirty="0"/>
+          </a:p>
+        </p:txBody>
+      </p:sp>
+    </p:spTree>
+    <p:extLst>
+      <p:ext uri="{BB962C8B-B14F-4D97-AF65-F5344CB8AC3E}">
+        <p14:creationId xmlns:p14="http://schemas.microsoft.com/office/powerpoint/2010/main" val="2675732723"/>
+      </p:ext>
+    </p:extLst>
+  </p:cSld>
+  <p:clrMapOvr>
+    <a:masterClrMapping/>
+  </p:clrMapOvr>
+</p:sld>
+</file>
+
+<file path=ppt/slides/slide5.xml><?xml version="1.0" encoding="utf-8"?>
+<p:sld xmlns:a="http://schemas.openxmlformats.org/drawingml/2006/main" xmlns:r="http://schemas.openxmlformats.org/officeDocument/2006/relationships" xmlns:p="http://schemas.openxmlformats.org/presentationml/2006/main">
+  <p:cSld>
+    <p:spTree>
+      <p:nvGrpSpPr>
+        <p:cNvPr id="1" name=""/>
+        <p:cNvGrpSpPr/>
+        <p:nvPr/>
+      </p:nvGrpSpPr>
+      <p:grpSpPr>
+        <a:xfrm>
+          <a:off x="0" y="0"/>
+          <a:ext cx="0" cy="0"/>
+          <a:chOff x="0" y="0"/>
+          <a:chExt cx="0" cy="0"/>
+        </a:xfrm>
+      </p:grpSpPr>
       <p:sp>
         <p:nvSpPr>
           <p:cNvPr id="2" name="Заголовок 1"/>
@@ -4945,7 +5379,7 @@
 </p:sld>
 </file>
 
-<file path=ppt/slides/slide5.xml><?xml version="1.0" encoding="utf-8"?>
+<file path=ppt/slides/slide6.xml><?xml version="1.0" encoding="utf-8"?>
 <p:sld xmlns:a="http://schemas.openxmlformats.org/drawingml/2006/main" xmlns:r="http://schemas.openxmlformats.org/officeDocument/2006/relationships" xmlns:p="http://schemas.openxmlformats.org/presentationml/2006/main">
   <p:cSld>
     <p:spTree>
@@ -5103,7 +5537,7 @@
 </p:sld>
 </file>
 
-<file path=ppt/slides/slide6.xml><?xml version="1.0" encoding="utf-8"?>
+<file path=ppt/slides/slide7.xml><?xml version="1.0" encoding="utf-8"?>
 <p:sld xmlns:a="http://schemas.openxmlformats.org/drawingml/2006/main" xmlns:r="http://schemas.openxmlformats.org/officeDocument/2006/relationships" xmlns:p="http://schemas.openxmlformats.org/presentationml/2006/main">
   <p:cSld>
     <p:spTree>
@@ -5170,23 +5604,7 @@
             </a:pPr>
             <a:r>
               <a:rPr lang="ru-RU" sz="2000" dirty="0" smtClean="0"/>
-              <a:t>Переменные стоит воспринимать как некоторый контейнер для информации. В данном контейнере указывается </a:t>
-            </a:r>
-            <a:r>
-              <a:rPr lang="ru-RU" sz="2000" dirty="0" smtClean="0"/>
-              <a:t>возможность доступа, тип </a:t>
-            </a:r>
-            <a:r>
-              <a:rPr lang="ru-RU" sz="2000" dirty="0" smtClean="0"/>
-              <a:t>объекта и его уникальное название, а также в него помещается некоторое значение, с которым в дальнейшем можно </a:t>
-            </a:r>
-            <a:r>
-              <a:rPr lang="ru-RU" sz="2000" dirty="0" smtClean="0"/>
-              <a:t>совершать </a:t>
-            </a:r>
-            <a:r>
-              <a:rPr lang="ru-RU" sz="2000" dirty="0" smtClean="0"/>
-              <a:t>некоторые действия:</a:t>
+              <a:t>Переменные стоит воспринимать как некоторый контейнер для информации. В данном контейнере указывается возможность доступа, тип объекта и его уникальное название, а также в него помещается некоторое значение, с которым в дальнейшем можно совершать некоторые действия:</a:t>
             </a:r>
             <a:endParaRPr lang="ru-RU" sz="2000" dirty="0"/>
           </a:p>
@@ -5602,7 +6020,7 @@
 </p:sld>
 </file>
 
-<file path=ppt/slides/slide7.xml><?xml version="1.0" encoding="utf-8"?>
+<file path=ppt/slides/slide8.xml><?xml version="1.0" encoding="utf-8"?>
 <p:sld xmlns:a="http://schemas.openxmlformats.org/drawingml/2006/main" xmlns:r="http://schemas.openxmlformats.org/officeDocument/2006/relationships" xmlns:p="http://schemas.openxmlformats.org/presentationml/2006/main">
   <p:cSld>
     <p:spTree>
@@ -5637,11 +6055,7 @@
             <a:pPr algn="ctr"/>
             <a:r>
               <a:rPr lang="ru-RU" dirty="0" smtClean="0"/>
-              <a:t>Типы Данных. Создание </a:t>
-            </a:r>
-            <a:r>
-              <a:rPr lang="ru-RU" dirty="0" smtClean="0"/>
-              <a:t>Переменных</a:t>
+              <a:t>Типы Данных. Создание Переменных</a:t>
             </a:r>
             <a:endParaRPr lang="ru-RU" dirty="0"/>
           </a:p>
@@ -5682,11 +6096,7 @@
             </a:r>
             <a:r>
               <a:rPr lang="ru-RU" sz="1800" dirty="0" smtClean="0"/>
-              <a:t>, которые мы будем использовать каждый день в наших </a:t>
-            </a:r>
-            <a:r>
-              <a:rPr lang="ru-RU" sz="1800" dirty="0" smtClean="0"/>
-              <a:t>скриптах. Не забываем при создании переменных указывать модификатор доступа.</a:t>
+              <a:t>, которые мы будем использовать каждый день в наших скриптах. Не забываем при создании переменных указывать модификатор доступа.</a:t>
             </a:r>
           </a:p>
           <a:p>
@@ -5779,11 +6189,7 @@
             </a:r>
             <a:r>
               <a:rPr lang="ru-RU" sz="1800" dirty="0" smtClean="0"/>
-              <a:t>использует именно этот тип для значений </a:t>
-            </a:r>
-            <a:r>
-              <a:rPr lang="ru-RU" sz="1800" dirty="0" smtClean="0"/>
-              <a:t>координат</a:t>
+              <a:t>использует именно этот тип для значений координат</a:t>
             </a:r>
             <a:r>
               <a:rPr lang="ru-RU" sz="1800" dirty="0"/>
@@ -5944,7 +6350,7 @@
 </p:sld>
 </file>
 
-<file path=ppt/slides/slide8.xml><?xml version="1.0" encoding="utf-8"?>
+<file path=ppt/slides/slide9.xml><?xml version="1.0" encoding="utf-8"?>
 <p:sld xmlns:a="http://schemas.openxmlformats.org/drawingml/2006/main" xmlns:r="http://schemas.openxmlformats.org/officeDocument/2006/relationships" xmlns:p="http://schemas.openxmlformats.org/presentationml/2006/main">
   <p:cSld>
     <p:spTree>
@@ -6053,248 +6459,6 @@
     <p:extLst>
       <p:ext uri="{BB962C8B-B14F-4D97-AF65-F5344CB8AC3E}">
         <p14:creationId xmlns:p14="http://schemas.microsoft.com/office/powerpoint/2010/main" val="229724136"/>
-      </p:ext>
-    </p:extLst>
-  </p:cSld>
-  <p:clrMapOvr>
-    <a:masterClrMapping/>
-  </p:clrMapOvr>
-</p:sld>
-</file>
-
-<file path=ppt/slides/slide9.xml><?xml version="1.0" encoding="utf-8"?>
-<p:sld xmlns:a="http://schemas.openxmlformats.org/drawingml/2006/main" xmlns:r="http://schemas.openxmlformats.org/officeDocument/2006/relationships" xmlns:p="http://schemas.openxmlformats.org/presentationml/2006/main">
-  <p:cSld>
-    <p:spTree>
-      <p:nvGrpSpPr>
-        <p:cNvPr id="1" name=""/>
-        <p:cNvGrpSpPr/>
-        <p:nvPr/>
-      </p:nvGrpSpPr>
-      <p:grpSpPr>
-        <a:xfrm>
-          <a:off x="0" y="0"/>
-          <a:ext cx="0" cy="0"/>
-          <a:chOff x="0" y="0"/>
-          <a:chExt cx="0" cy="0"/>
-        </a:xfrm>
-      </p:grpSpPr>
-      <p:sp>
-        <p:nvSpPr>
-          <p:cNvPr id="2" name="Заголовок 1"/>
-          <p:cNvSpPr>
-            <a:spLocks noGrp="1"/>
-          </p:cNvSpPr>
-          <p:nvPr>
-            <p:ph type="title"/>
-          </p:nvPr>
-        </p:nvSpPr>
-        <p:spPr>
-          <a:xfrm>
-            <a:off x="864325" y="-207165"/>
-            <a:ext cx="10515600" cy="1325563"/>
-          </a:xfrm>
-        </p:spPr>
-        <p:txBody>
-          <a:bodyPr/>
-          <a:lstStyle/>
-          <a:p>
-            <a:pPr algn="ctr"/>
-            <a:r>
-              <a:rPr lang="ru-RU" dirty="0" smtClean="0"/>
-              <a:t>Области Видимости</a:t>
-            </a:r>
-            <a:endParaRPr lang="ru-RU" dirty="0"/>
-          </a:p>
-        </p:txBody>
-      </p:sp>
-      <p:pic>
-        <p:nvPicPr>
-          <p:cNvPr id="4" name="Объект 3"/>
-          <p:cNvPicPr>
-            <a:picLocks noGrp="1" noChangeAspect="1"/>
-          </p:cNvPicPr>
-          <p:nvPr>
-            <p:ph idx="1"/>
-          </p:nvPr>
-        </p:nvPicPr>
-        <p:blipFill>
-          <a:blip r:embed="rId2">
-            <a:extLst>
-              <a:ext uri="{28A0092B-C50C-407E-A947-70E740481C1C}">
-                <a14:useLocalDpi xmlns:a14="http://schemas.microsoft.com/office/drawing/2010/main" val="0"/>
-              </a:ext>
-            </a:extLst>
-          </a:blip>
-          <a:stretch>
-            <a:fillRect/>
-          </a:stretch>
-        </p:blipFill>
-        <p:spPr>
-          <a:xfrm>
-            <a:off x="0" y="727275"/>
-            <a:ext cx="4741817" cy="6130725"/>
-          </a:xfrm>
-        </p:spPr>
-      </p:pic>
-      <p:sp>
-        <p:nvSpPr>
-          <p:cNvPr id="5" name="TextBox 4"/>
-          <p:cNvSpPr txBox="1"/>
-          <p:nvPr/>
-        </p:nvSpPr>
-        <p:spPr>
-          <a:xfrm>
-            <a:off x="4911634" y="948690"/>
-            <a:ext cx="7001691" cy="5909310"/>
-          </a:xfrm>
-          <a:prstGeom prst="rect">
-            <a:avLst/>
-          </a:prstGeom>
-          <a:noFill/>
-        </p:spPr>
-        <p:txBody>
-          <a:bodyPr wrap="square" rtlCol="0">
-            <a:spAutoFit/>
-          </a:bodyPr>
-          <a:lstStyle/>
-          <a:p>
-            <a:r>
-              <a:rPr lang="ru-RU" dirty="0" smtClean="0"/>
-              <a:t>Крайне важно помнить о таком понятии, как область видимости в </a:t>
-            </a:r>
-            <a:r>
-              <a:rPr lang="en-US" dirty="0" smtClean="0"/>
-              <a:t>C#. </a:t>
-            </a:r>
-            <a:r>
-              <a:rPr lang="ru-RU" b="1" dirty="0" smtClean="0"/>
-              <a:t>Область видимости </a:t>
-            </a:r>
-            <a:r>
-              <a:rPr lang="ru-RU" dirty="0" smtClean="0"/>
-              <a:t>– часть кода, в пределах которой доступна конкретная переменная. Области видимости определяются фигурными скобками – вы можете объявлять свои переменные уже внутри класса (пример – </a:t>
-            </a:r>
-            <a:r>
-              <a:rPr lang="en-US" dirty="0" err="1" smtClean="0"/>
-              <a:t>powerfulInt</a:t>
-            </a:r>
-            <a:r>
-              <a:rPr lang="en-US" dirty="0" smtClean="0"/>
-              <a:t> </a:t>
-            </a:r>
-            <a:r>
-              <a:rPr lang="ru-RU" dirty="0" smtClean="0"/>
-              <a:t>на скриншоте). Такая переменная доступна в любой части скрипта. Помните, что у различных переменных в одной области видимости никогда не бывает одинакового имени.</a:t>
-            </a:r>
-          </a:p>
-          <a:p>
-            <a:endParaRPr lang="ru-RU" dirty="0"/>
-          </a:p>
-          <a:p>
-            <a:r>
-              <a:rPr lang="ru-RU" dirty="0" smtClean="0"/>
-              <a:t>В данном примере можно также увидеть 2 переменные с названием </a:t>
-            </a:r>
-            <a:r>
-              <a:rPr lang="en-US" dirty="0" err="1" smtClean="0"/>
-              <a:t>limitedInt</a:t>
-            </a:r>
-            <a:r>
-              <a:rPr lang="ru-RU" dirty="0" smtClean="0"/>
-              <a:t>, каждая из которых существует только внутри собственного метода. При попытке обратиться к </a:t>
-            </a:r>
-            <a:r>
-              <a:rPr lang="en-US" dirty="0" err="1" smtClean="0"/>
-              <a:t>limitedInt</a:t>
-            </a:r>
-            <a:r>
-              <a:rPr lang="en-US" dirty="0" smtClean="0"/>
-              <a:t> </a:t>
-            </a:r>
-            <a:r>
-              <a:rPr lang="ru-RU" dirty="0" smtClean="0"/>
-              <a:t>вне </a:t>
-            </a:r>
-            <a:r>
-              <a:rPr lang="en-US" dirty="0" smtClean="0"/>
-              <a:t>Start() </a:t>
-            </a:r>
-            <a:r>
-              <a:rPr lang="ru-RU" dirty="0" smtClean="0"/>
-              <a:t>или </a:t>
-            </a:r>
-            <a:r>
-              <a:rPr lang="en-US" dirty="0" smtClean="0"/>
-              <a:t>Example()</a:t>
-            </a:r>
-            <a:r>
-              <a:rPr lang="ru-RU" dirty="0" smtClean="0"/>
-              <a:t>, возникнет ошибка, так как в рамках класса такой переменной не существует.</a:t>
-            </a:r>
-          </a:p>
-          <a:p>
-            <a:endParaRPr lang="ru-RU" dirty="0"/>
-          </a:p>
-          <a:p>
-            <a:r>
-              <a:rPr lang="ru-RU" dirty="0" smtClean="0"/>
-              <a:t>Всегда помните, что </a:t>
-            </a:r>
-            <a:r>
-              <a:rPr lang="en-US" dirty="0" err="1" smtClean="0"/>
-              <a:t>limitedInt</a:t>
-            </a:r>
-            <a:r>
-              <a:rPr lang="en-US" dirty="0" smtClean="0"/>
-              <a:t> </a:t>
-            </a:r>
-            <a:r>
-              <a:rPr lang="ru-RU" dirty="0" smtClean="0"/>
-              <a:t>в </a:t>
-            </a:r>
-            <a:r>
-              <a:rPr lang="en-US" dirty="0" smtClean="0"/>
-              <a:t>Start() </a:t>
-            </a:r>
-            <a:r>
-              <a:rPr lang="ru-RU" dirty="0" smtClean="0"/>
-              <a:t>и </a:t>
-            </a:r>
-            <a:r>
-              <a:rPr lang="en-US" dirty="0" err="1" smtClean="0"/>
-              <a:t>limitedInt</a:t>
-            </a:r>
-            <a:r>
-              <a:rPr lang="en-US" dirty="0" smtClean="0"/>
-              <a:t> </a:t>
-            </a:r>
-            <a:r>
-              <a:rPr lang="ru-RU" dirty="0" smtClean="0"/>
-              <a:t>в </a:t>
-            </a:r>
-            <a:r>
-              <a:rPr lang="en-US" dirty="0" smtClean="0"/>
-              <a:t>Example() – </a:t>
-            </a:r>
-            <a:r>
-              <a:rPr lang="ru-RU" dirty="0" smtClean="0"/>
-              <a:t>2 никак не связанные переменные. Для лучшего понимания рекомендую воспринимать фигурные скобки как начало/конец области видимости.</a:t>
-            </a:r>
-          </a:p>
-          <a:p>
-            <a:r>
-              <a:rPr lang="ru-RU" dirty="0" smtClean="0"/>
-              <a:t>Также рекомендую в целом избегать повторяющихся названий переменных, это может путать.</a:t>
-            </a:r>
-            <a:endParaRPr lang="ru-RU" dirty="0"/>
-          </a:p>
-        </p:txBody>
-      </p:sp>
-    </p:spTree>
-    <p:extLst>
-      <p:ext uri="{BB962C8B-B14F-4D97-AF65-F5344CB8AC3E}">
-        <p14:creationId xmlns:p14="http://schemas.microsoft.com/office/powerpoint/2010/main" val="453258644"/>
       </p:ext>
     </p:extLst>
   </p:cSld>
